--- a/presentation/Seminar Presentation Slides.pptx
+++ b/presentation/Seminar Presentation Slides.pptx
@@ -15,7 +15,6 @@
     <p:sldId id="261" r:id="rId10"/>
     <p:sldId id="262" r:id="rId11"/>
     <p:sldId id="263" r:id="rId12"/>
-    <p:sldId id="264" r:id="rId13"/>
   </p:sldIdLst>
   <p:sldSz cx="9144000" cy="6858000"/>
   <p:notesSz cx="7772400" cy="10058400"/>
@@ -3520,7 +3519,7 @@
         <p:spPr>
           <a:xfrm>
             <a:off x="66240" y="6196680"/>
-            <a:ext cx="1159200" cy="333360"/>
+            <a:ext cx="1158480" cy="332640"/>
           </a:xfrm>
           <a:prstGeom prst="rect">
             <a:avLst/>
@@ -3544,7 +3543,7 @@
                 <a:spcPct val="100000"/>
               </a:lnSpc>
             </a:pPr>
-            <a:fld id="{B46B479A-5C85-4CDF-99EE-B6DDDA34499E}" type="slidenum">
+            <a:fld id="{B2310B40-ABF3-4379-8B84-5E0A7E63AD8E}" type="slidenum">
               <a:rPr b="1" lang="en-US" sz="1600" strike="noStrike">
                 <a:solidFill>
                   <a:srgbClr val="ffffff"/>
@@ -3567,7 +3566,7 @@
         <p:spPr>
           <a:xfrm>
             <a:off x="0" y="0"/>
-            <a:ext cx="9143280" cy="2312280"/>
+            <a:ext cx="9142560" cy="2311560"/>
           </a:xfrm>
           <a:prstGeom prst="rect">
             <a:avLst/>
@@ -3812,7 +3811,7 @@
         <p:spPr>
           <a:xfrm>
             <a:off x="66240" y="6196680"/>
-            <a:ext cx="1159200" cy="333360"/>
+            <a:ext cx="1158480" cy="332640"/>
           </a:xfrm>
           <a:prstGeom prst="rect">
             <a:avLst/>
@@ -3836,7 +3835,7 @@
                 <a:spcPct val="100000"/>
               </a:lnSpc>
             </a:pPr>
-            <a:fld id="{C7C791E1-E9FF-4B78-BBB0-6485C757D11A}" type="slidenum">
+            <a:fld id="{D84D9801-2E8E-437D-B044-695C0E473C89}" type="slidenum">
               <a:rPr b="1" lang="en-US" sz="1600" strike="noStrike">
                 <a:solidFill>
                   <a:srgbClr val="ffffff"/>
@@ -3859,7 +3858,7 @@
         <p:spPr>
           <a:xfrm>
             <a:off x="1029600" y="6213600"/>
-            <a:ext cx="4448880" cy="442080"/>
+            <a:ext cx="4448160" cy="441360"/>
           </a:xfrm>
           <a:prstGeom prst="rect">
             <a:avLst/>
@@ -4161,7 +4160,7 @@
         <p:spPr>
           <a:xfrm>
             <a:off x="66240" y="6196680"/>
-            <a:ext cx="1159200" cy="333360"/>
+            <a:ext cx="1158480" cy="332640"/>
           </a:xfrm>
           <a:prstGeom prst="rect">
             <a:avLst/>
@@ -4185,7 +4184,7 @@
                 <a:spcPct val="100000"/>
               </a:lnSpc>
             </a:pPr>
-            <a:fld id="{DCF4DDF6-4C5B-4F86-95B8-E4B56E9228DE}" type="slidenum">
+            <a:fld id="{C74CD493-3F86-426F-A147-1406D77CC102}" type="slidenum">
               <a:rPr b="1" lang="en-US" sz="1600" strike="noStrike">
                 <a:solidFill>
                   <a:srgbClr val="ffffff"/>
@@ -4208,7 +4207,7 @@
         <p:spPr>
           <a:xfrm>
             <a:off x="1029600" y="6213600"/>
-            <a:ext cx="4448880" cy="442080"/>
+            <a:ext cx="4448160" cy="441360"/>
           </a:xfrm>
           <a:prstGeom prst="rect">
             <a:avLst/>
@@ -4500,7 +4499,7 @@
         <p:spPr>
           <a:xfrm>
             <a:off x="288000" y="2487600"/>
-            <a:ext cx="8567280" cy="539280"/>
+            <a:ext cx="8566560" cy="538560"/>
           </a:xfrm>
           <a:prstGeom prst="rect">
             <a:avLst/>
@@ -4526,7 +4525,11 @@
             </a:pPr>
             <a:r>
               <a:rPr lang="en-US" sz="3200" strike="noStrike">
-                <a:latin typeface="Arial"/>
+                <a:solidFill>
+                  <a:srgbClr val="000000"/>
+                </a:solidFill>
+                <a:latin typeface="Arial"/>
+                <a:ea typeface="DejaVu Sans"/>
               </a:rPr>
               <a:t>Raceflections</a:t>
             </a:r>
@@ -4543,7 +4546,7 @@
         <p:spPr>
           <a:xfrm>
             <a:off x="288000" y="2980800"/>
-            <a:ext cx="8567280" cy="1654920"/>
+            <a:ext cx="8566560" cy="1654200"/>
           </a:xfrm>
           <a:prstGeom prst="rect">
             <a:avLst/>
@@ -4569,7 +4572,11 @@
             </a:pPr>
             <a:r>
               <a:rPr lang="en-US" sz="2000" strike="noStrike">
-                <a:latin typeface="Arial"/>
+                <a:solidFill>
+                  <a:srgbClr val="000000"/>
+                </a:solidFill>
+                <a:latin typeface="Arial"/>
+                <a:ea typeface="DejaVu Sans"/>
               </a:rPr>
               <a:t>Karsten Ansteeg, Bastian Jonas, Florian Wehling</a:t>
             </a:r>
@@ -4635,7 +4642,7 @@
         <p:spPr>
           <a:xfrm>
             <a:off x="539640" y="365040"/>
-            <a:ext cx="8352720" cy="513000"/>
+            <a:ext cx="8352000" cy="512280"/>
           </a:xfrm>
           <a:prstGeom prst="rect">
             <a:avLst/>
@@ -4656,7 +4663,11 @@
           <a:p>
             <a:r>
               <a:rPr lang="en-US" sz="2400" strike="noStrike">
-                <a:latin typeface="Arial"/>
+                <a:solidFill>
+                  <a:srgbClr val="000000"/>
+                </a:solidFill>
+                <a:latin typeface="Arial"/>
+                <a:ea typeface="DejaVu Sans"/>
               </a:rPr>
               <a:t>Planned Features</a:t>
             </a:r>
@@ -4673,7 +4684,7 @@
         <p:spPr>
           <a:xfrm>
             <a:off x="539640" y="1125360"/>
-            <a:ext cx="8352720" cy="4750560"/>
+            <a:ext cx="8352000" cy="4749840"/>
           </a:xfrm>
           <a:prstGeom prst="rect">
             <a:avLst/>
@@ -4702,7 +4713,11 @@
             </a:pPr>
             <a:r>
               <a:rPr lang="en-US" strike="noStrike">
-                <a:latin typeface="Arial"/>
+                <a:solidFill>
+                  <a:srgbClr val="000000"/>
+                </a:solidFill>
+                <a:latin typeface="Arial"/>
+                <a:ea typeface="DejaVu Sans"/>
               </a:rPr>
               <a:t>Main feature: Real-time dynamic reflections (car, maybe wet road)</a:t>
             </a:r>
@@ -4719,7 +4734,11 @@
             </a:pPr>
             <a:r>
               <a:rPr lang="en-US" strike="noStrike">
-                <a:latin typeface="Arial"/>
+                <a:solidFill>
+                  <a:srgbClr val="000000"/>
+                </a:solidFill>
+                <a:latin typeface="Arial"/>
+                <a:ea typeface="DejaVu Sans"/>
               </a:rPr>
               <a:t>Deferred Rendering</a:t>
             </a:r>
@@ -4736,9 +4755,13 @@
             </a:pPr>
             <a:r>
               <a:rPr lang="en-US" strike="noStrike">
-                <a:latin typeface="Arial"/>
-              </a:rPr>
-              <a:t>Normal Mapping</a:t>
+                <a:solidFill>
+                  <a:srgbClr val="000000"/>
+                </a:solidFill>
+                <a:latin typeface="Arial"/>
+                <a:ea typeface="DejaVu Sans"/>
+              </a:rPr>
+              <a:t>Shadow Mapping</a:t>
             </a:r>
             <a:endParaRPr/>
           </a:p>
@@ -4753,9 +4776,13 @@
             </a:pPr>
             <a:r>
               <a:rPr lang="en-US" strike="noStrike">
-                <a:latin typeface="Arial"/>
-              </a:rPr>
-              <a:t>Shadow Mapping</a:t>
+                <a:solidFill>
+                  <a:srgbClr val="000000"/>
+                </a:solidFill>
+                <a:latin typeface="Arial"/>
+                <a:ea typeface="DejaVu Sans"/>
+              </a:rPr>
+              <a:t>Post Processing Effects (Motion Blur, FXAA, …)</a:t>
             </a:r>
             <a:endParaRPr/>
           </a:p>
@@ -4770,24 +4797,11 @@
             </a:pPr>
             <a:r>
               <a:rPr lang="en-US" strike="noStrike">
-                <a:latin typeface="Arial"/>
-              </a:rPr>
-              <a:t>Post Processing Effects (Motion Blur, FXAA, …)</a:t>
-            </a:r>
-            <a:endParaRPr/>
-          </a:p>
-          <a:p>
-            <a:pPr>
-              <a:lnSpc>
-                <a:spcPct val="150000"/>
-              </a:lnSpc>
-              <a:buSzPct val="45000"/>
-              <a:buFont typeface="StarSymbol"/>
-              <a:buChar char="l"/>
-            </a:pPr>
-            <a:r>
-              <a:rPr lang="en-US" strike="noStrike">
-                <a:latin typeface="Arial"/>
+                <a:solidFill>
+                  <a:srgbClr val="000000"/>
+                </a:solidFill>
+                <a:latin typeface="Arial"/>
+                <a:ea typeface="DejaVu Sans"/>
               </a:rPr>
               <a:t>Physics simulation using the Bullet Physics Engine</a:t>
             </a:r>
@@ -4853,7 +4867,7 @@
         <p:spPr>
           <a:xfrm>
             <a:off x="539640" y="365040"/>
-            <a:ext cx="8352720" cy="513000"/>
+            <a:ext cx="8352000" cy="512280"/>
           </a:xfrm>
           <a:prstGeom prst="rect">
             <a:avLst/>
@@ -4874,7 +4888,11 @@
           <a:p>
             <a:r>
               <a:rPr lang="en-US" sz="2400" strike="noStrike">
-                <a:latin typeface="Arial"/>
+                <a:solidFill>
+                  <a:srgbClr val="000000"/>
+                </a:solidFill>
+                <a:latin typeface="Arial"/>
+                <a:ea typeface="DejaVu Sans"/>
               </a:rPr>
               <a:t>Real-Time Dynamic Reflections</a:t>
             </a:r>
@@ -4891,7 +4909,7 @@
         <p:spPr>
           <a:xfrm>
             <a:off x="539640" y="1125360"/>
-            <a:ext cx="8352720" cy="4750560"/>
+            <a:ext cx="8352000" cy="4749840"/>
           </a:xfrm>
           <a:prstGeom prst="rect">
             <a:avLst/>
@@ -4907,6 +4925,119 @@
           <a:effectRef idx="0"/>
           <a:fontRef idx="minor"/>
         </p:style>
+      </p:sp>
+      <p:sp>
+        <p:nvSpPr>
+          <p:cNvPr id="120" name="TextShape 3"/>
+          <p:cNvSpPr txBox="1"/>
+          <p:nvPr/>
+        </p:nvSpPr>
+        <p:spPr>
+          <a:xfrm>
+            <a:off x="457200" y="1280160"/>
+            <a:ext cx="8229600" cy="2394000"/>
+          </a:xfrm>
+          <a:prstGeom prst="rect">
+            <a:avLst/>
+          </a:prstGeom>
+          <a:noFill/>
+          <a:ln>
+            <a:noFill/>
+          </a:ln>
+        </p:spPr>
+        <p:txBody>
+          <a:bodyPr lIns="90000" rIns="90000" tIns="45000" bIns="45000"/>
+          <a:p>
+            <a:r>
+              <a:rPr lang="en-US">
+                <a:latin typeface="Arial"/>
+              </a:rPr>
+              <a:t>Using Reflection Cube Mapping:</a:t>
+            </a:r>
+            <a:endParaRPr/>
+          </a:p>
+          <a:p>
+            <a:r>
+              <a:rPr lang="en-US">
+                <a:latin typeface="Arial"/>
+              </a:rPr>
+              <a:t>	</a:t>
+            </a:r>
+            <a:r>
+              <a:rPr lang="en-US">
+                <a:latin typeface="Arial"/>
+              </a:rPr>
+              <a:t>Render scene from center point of reflective object in 6 directions </a:t>
+            </a:r>
+            <a:endParaRPr/>
+          </a:p>
+          <a:p>
+            <a:r>
+              <a:rPr lang="en-US">
+                <a:latin typeface="Arial"/>
+              </a:rPr>
+              <a:t>	</a:t>
+            </a:r>
+            <a:r>
+              <a:rPr lang="en-US">
+                <a:latin typeface="Arial"/>
+              </a:rPr>
+              <a:t>	</a:t>
+            </a:r>
+            <a:r>
+              <a:rPr lang="en-US">
+                <a:latin typeface="Arial"/>
+              </a:rPr>
+              <a:t>(6 sides of a cube)</a:t>
+            </a:r>
+            <a:endParaRPr/>
+          </a:p>
+          <a:p>
+            <a:r>
+              <a:rPr lang="en-US">
+                <a:latin typeface="Arial"/>
+              </a:rPr>
+              <a:t>	</a:t>
+            </a:r>
+            <a:r>
+              <a:rPr lang="en-US">
+                <a:latin typeface="Arial"/>
+              </a:rPr>
+              <a:t>Approximate reflections by sampling according points on cube</a:t>
+            </a:r>
+            <a:endParaRPr/>
+          </a:p>
+          <a:p>
+            <a:r>
+              <a:rPr lang="en-US">
+                <a:latin typeface="Arial"/>
+              </a:rPr>
+              <a:t>If time allows: combine with screen space local reflections</a:t>
+            </a:r>
+            <a:endParaRPr/>
+          </a:p>
+          <a:p>
+            <a:endParaRPr/>
+          </a:p>
+          <a:p>
+            <a:r>
+              <a:rPr lang="en-US">
+                <a:latin typeface="Arial"/>
+              </a:rPr>
+              <a:t>http://http.developer.nvidia.com/CgTutorial/cg_tutorial_chapter07.html</a:t>
+            </a:r>
+            <a:endParaRPr/>
+          </a:p>
+          <a:p>
+            <a:r>
+              <a:rPr lang="en-US">
+                <a:latin typeface="Arial"/>
+              </a:rPr>
+              <a:t>https://www.panda3d.org/manual/index.php?title=Simple_Environment_Mapping&amp;language=cxx</a:t>
+            </a:r>
+            <a:endParaRPr/>
+          </a:p>
+        </p:txBody>
       </p:sp>
     </p:spTree>
   </p:cSld>
@@ -4959,14 +5090,14 @@
       </p:grpSpPr>
       <p:sp>
         <p:nvSpPr>
-          <p:cNvPr id="120" name="CustomShape 1"/>
+          <p:cNvPr id="121" name="CustomShape 1"/>
           <p:cNvSpPr/>
           <p:nvPr/>
         </p:nvSpPr>
         <p:spPr>
           <a:xfrm>
             <a:off x="539640" y="365040"/>
-            <a:ext cx="8352720" cy="513000"/>
+            <a:ext cx="8352000" cy="512280"/>
           </a:xfrm>
           <a:prstGeom prst="rect">
             <a:avLst/>
@@ -4987,7 +5118,11 @@
           <a:p>
             <a:r>
               <a:rPr lang="en-US" sz="2400" strike="noStrike">
-                <a:latin typeface="Arial"/>
+                <a:solidFill>
+                  <a:srgbClr val="000000"/>
+                </a:solidFill>
+                <a:latin typeface="Arial"/>
+                <a:ea typeface="DejaVu Sans"/>
               </a:rPr>
               <a:t>Deferred Rendering</a:t>
             </a:r>
@@ -4997,14 +5132,14 @@
       </p:sp>
       <p:sp>
         <p:nvSpPr>
-          <p:cNvPr id="121" name="CustomShape 2"/>
+          <p:cNvPr id="122" name="CustomShape 2"/>
           <p:cNvSpPr/>
           <p:nvPr/>
         </p:nvSpPr>
         <p:spPr>
           <a:xfrm>
             <a:off x="539640" y="1125360"/>
-            <a:ext cx="8352720" cy="4750560"/>
+            <a:ext cx="8352000" cy="4749840"/>
           </a:xfrm>
           <a:prstGeom prst="rect">
             <a:avLst/>
@@ -5023,14 +5158,14 @@
       </p:sp>
       <p:sp>
         <p:nvSpPr>
-          <p:cNvPr id="122" name="TextShape 3"/>
-          <p:cNvSpPr txBox="1"/>
+          <p:cNvPr id="123" name="CustomShape 3"/>
+          <p:cNvSpPr/>
           <p:nvPr/>
         </p:nvSpPr>
         <p:spPr>
           <a:xfrm>
             <a:off x="457200" y="1280160"/>
-            <a:ext cx="8229600" cy="602280"/>
+            <a:ext cx="8228880" cy="601560"/>
           </a:xfrm>
           <a:prstGeom prst="rect">
             <a:avLst/>
@@ -5040,17 +5175,30 @@
             <a:noFill/>
           </a:ln>
         </p:spPr>
+        <p:style>
+          <a:lnRef idx="0"/>
+          <a:fillRef idx="0"/>
+          <a:effectRef idx="0"/>
+          <a:fontRef idx="minor"/>
+        </p:style>
         <p:txBody>
           <a:bodyPr lIns="90000" rIns="90000" tIns="45000" bIns="45000"/>
           <a:p>
             <a:pPr>
+              <a:lnSpc>
+                <a:spcPct val="100000"/>
+              </a:lnSpc>
               <a:buSzPct val="45000"/>
               <a:buFont typeface="StarSymbol"/>
-              <a:buChar char=""/>
+              <a:buChar char="l"/>
             </a:pPr>
             <a:r>
-              <a:rPr lang="en-US">
-                <a:latin typeface="Arial"/>
+              <a:rPr lang="en-US" strike="noStrike">
+                <a:solidFill>
+                  <a:srgbClr val="000000"/>
+                </a:solidFill>
+                <a:latin typeface="Arial"/>
+                <a:ea typeface="DejaVu Sans"/>
               </a:rPr>
               <a:t>First pass: Render lighting information into buffer</a:t>
             </a:r>
@@ -5058,15 +5206,40 @@
           </a:p>
           <a:p>
             <a:pPr>
+              <a:lnSpc>
+                <a:spcPct val="100000"/>
+              </a:lnSpc>
               <a:buSzPct val="45000"/>
               <a:buFont typeface="StarSymbol"/>
-              <a:buChar char=""/>
+              <a:buChar char="l"/>
             </a:pPr>
             <a:r>
-              <a:rPr lang="en-US">
-                <a:latin typeface="Arial"/>
+              <a:rPr lang="en-US" strike="noStrike">
+                <a:solidFill>
+                  <a:srgbClr val="000000"/>
+                </a:solidFill>
+                <a:latin typeface="Arial"/>
+                <a:ea typeface="DejaVu Sans"/>
               </a:rPr>
               <a:t>Second pass: Render textured quat using buffer to calculate final color</a:t>
+            </a:r>
+            <a:endParaRPr/>
+          </a:p>
+          <a:p>
+            <a:pPr>
+              <a:lnSpc>
+                <a:spcPct val="100000"/>
+              </a:lnSpc>
+            </a:pPr>
+            <a:r>
+              <a:rPr lang="en-US" strike="noStrike">
+                <a:solidFill>
+                  <a:srgbClr val="000000"/>
+                </a:solidFill>
+                <a:latin typeface="Arial"/>
+                <a:ea typeface="DejaVu Sans"/>
+              </a:rPr>
+              <a:t>http://www.guerrilla-games.com/presentations/GDC09_Valient_Rendering_Technology_Of_Killzone_2_Extended_Presenter_Notes.pdf</a:t>
             </a:r>
             <a:endParaRPr/>
           </a:p>
@@ -5123,14 +5296,14 @@
       </p:grpSpPr>
       <p:sp>
         <p:nvSpPr>
-          <p:cNvPr id="123" name="CustomShape 1"/>
+          <p:cNvPr id="124" name="CustomShape 1"/>
           <p:cNvSpPr/>
           <p:nvPr/>
         </p:nvSpPr>
         <p:spPr>
           <a:xfrm>
             <a:off x="539640" y="365040"/>
-            <a:ext cx="8352720" cy="513000"/>
+            <a:ext cx="8352000" cy="512280"/>
           </a:xfrm>
           <a:prstGeom prst="rect">
             <a:avLst/>
@@ -5151,24 +5324,28 @@
           <a:p>
             <a:r>
               <a:rPr lang="en-US" sz="2400" strike="noStrike">
-                <a:latin typeface="Arial"/>
-              </a:rPr>
-              <a:t>Normal Mapping</a:t>
-            </a:r>
-            <a:endParaRPr/>
-          </a:p>
-        </p:txBody>
-      </p:sp>
-      <p:sp>
-        <p:nvSpPr>
-          <p:cNvPr id="124" name="CustomShape 2"/>
+                <a:solidFill>
+                  <a:srgbClr val="000000"/>
+                </a:solidFill>
+                <a:latin typeface="Arial"/>
+                <a:ea typeface="DejaVu Sans"/>
+              </a:rPr>
+              <a:t>Shadow Mapping</a:t>
+            </a:r>
+            <a:endParaRPr/>
+          </a:p>
+        </p:txBody>
+      </p:sp>
+      <p:sp>
+        <p:nvSpPr>
+          <p:cNvPr id="125" name="CustomShape 2"/>
           <p:cNvSpPr/>
           <p:nvPr/>
         </p:nvSpPr>
         <p:spPr>
           <a:xfrm>
             <a:off x="539640" y="1125360"/>
-            <a:ext cx="8352720" cy="4750560"/>
+            <a:ext cx="8352000" cy="4749840"/>
           </a:xfrm>
           <a:prstGeom prst="rect">
             <a:avLst/>
@@ -5184,6 +5361,71 @@
           <a:effectRef idx="0"/>
           <a:fontRef idx="minor"/>
         </p:style>
+      </p:sp>
+      <p:sp>
+        <p:nvSpPr>
+          <p:cNvPr id="126" name="CustomShape 3"/>
+          <p:cNvSpPr/>
+          <p:nvPr/>
+        </p:nvSpPr>
+        <p:spPr>
+          <a:xfrm>
+            <a:off x="548640" y="1188720"/>
+            <a:ext cx="6518520" cy="1113840"/>
+          </a:xfrm>
+          <a:prstGeom prst="rect">
+            <a:avLst/>
+          </a:prstGeom>
+          <a:noFill/>
+          <a:ln>
+            <a:noFill/>
+          </a:ln>
+        </p:spPr>
+        <p:style>
+          <a:lnRef idx="0"/>
+          <a:fillRef idx="0"/>
+          <a:effectRef idx="0"/>
+          <a:fontRef idx="minor"/>
+        </p:style>
+        <p:txBody>
+          <a:bodyPr lIns="90000" rIns="90000" tIns="45000" bIns="45000"/>
+          <a:p>
+            <a:r>
+              <a:rPr lang="en-US" strike="noStrike">
+                <a:latin typeface="Arial"/>
+              </a:rPr>
+              <a:t>First pass: Render scene from light source(s) into shadow map</a:t>
+            </a:r>
+            <a:endParaRPr/>
+          </a:p>
+          <a:p>
+            <a:r>
+              <a:rPr lang="en-US" strike="noStrike">
+                <a:latin typeface="Arial"/>
+              </a:rPr>
+              <a:t>Second pass: Look up fragments in shadow map to decide </a:t>
+            </a:r>
+            <a:endParaRPr/>
+          </a:p>
+          <a:p>
+            <a:r>
+              <a:rPr lang="en-US" strike="noStrike">
+                <a:latin typeface="Arial"/>
+              </a:rPr>
+              <a:t>whether to render shadows</a:t>
+            </a:r>
+            <a:endParaRPr/>
+          </a:p>
+          <a:p>
+            <a:r>
+              <a:rPr lang="en-US" strike="noStrike">
+                <a:latin typeface="Arial"/>
+              </a:rPr>
+              <a:t>https://graphics.stanford.edu/~mdfisher/Shadows.html</a:t>
+            </a:r>
+            <a:endParaRPr/>
+          </a:p>
+        </p:txBody>
       </p:sp>
     </p:spTree>
   </p:cSld>
@@ -5236,14 +5478,14 @@
       </p:grpSpPr>
       <p:sp>
         <p:nvSpPr>
-          <p:cNvPr id="125" name="CustomShape 1"/>
+          <p:cNvPr id="127" name="CustomShape 1"/>
           <p:cNvSpPr/>
           <p:nvPr/>
         </p:nvSpPr>
         <p:spPr>
           <a:xfrm>
             <a:off x="539640" y="365040"/>
-            <a:ext cx="8352720" cy="513000"/>
+            <a:ext cx="8352000" cy="512280"/>
           </a:xfrm>
           <a:prstGeom prst="rect">
             <a:avLst/>
@@ -5264,24 +5506,28 @@
           <a:p>
             <a:r>
               <a:rPr lang="en-US" sz="2400" strike="noStrike">
-                <a:latin typeface="Arial"/>
-              </a:rPr>
-              <a:t>Shadow Mapping</a:t>
-            </a:r>
-            <a:endParaRPr/>
-          </a:p>
-        </p:txBody>
-      </p:sp>
-      <p:sp>
-        <p:nvSpPr>
-          <p:cNvPr id="126" name="CustomShape 2"/>
+                <a:solidFill>
+                  <a:srgbClr val="000000"/>
+                </a:solidFill>
+                <a:latin typeface="Arial"/>
+                <a:ea typeface="DejaVu Sans"/>
+              </a:rPr>
+              <a:t>Post Processing Effects</a:t>
+            </a:r>
+            <a:endParaRPr/>
+          </a:p>
+        </p:txBody>
+      </p:sp>
+      <p:sp>
+        <p:nvSpPr>
+          <p:cNvPr id="128" name="CustomShape 2"/>
           <p:cNvSpPr/>
           <p:nvPr/>
         </p:nvSpPr>
         <p:spPr>
           <a:xfrm>
             <a:off x="539640" y="1125360"/>
-            <a:ext cx="8352720" cy="4750560"/>
+            <a:ext cx="8352000" cy="4749840"/>
           </a:xfrm>
           <a:prstGeom prst="rect">
             <a:avLst/>
@@ -5297,6 +5543,62 @@
           <a:effectRef idx="0"/>
           <a:fontRef idx="minor"/>
         </p:style>
+      </p:sp>
+      <p:sp>
+        <p:nvSpPr>
+          <p:cNvPr id="129" name="CustomShape 3"/>
+          <p:cNvSpPr/>
+          <p:nvPr/>
+        </p:nvSpPr>
+        <p:spPr>
+          <a:xfrm>
+            <a:off x="548640" y="1188720"/>
+            <a:ext cx="8229240" cy="1113840"/>
+          </a:xfrm>
+          <a:prstGeom prst="rect">
+            <a:avLst/>
+          </a:prstGeom>
+          <a:noFill/>
+          <a:ln>
+            <a:noFill/>
+          </a:ln>
+        </p:spPr>
+        <p:style>
+          <a:lnRef idx="0"/>
+          <a:fillRef idx="0"/>
+          <a:effectRef idx="0"/>
+          <a:fontRef idx="minor"/>
+        </p:style>
+        <p:txBody>
+          <a:bodyPr lIns="90000" rIns="90000" tIns="45000" bIns="45000"/>
+          <a:p>
+            <a:r>
+              <a:rPr lang="en-US" strike="noStrike">
+                <a:latin typeface="Arial"/>
+              </a:rPr>
+              <a:t>First: Render scene into texture, keep information per pixel in buffers (e.g. velocity map)</a:t>
+            </a:r>
+            <a:endParaRPr/>
+          </a:p>
+          <a:p>
+            <a:r>
+              <a:rPr lang="en-US" strike="noStrike">
+                <a:latin typeface="Arial"/>
+              </a:rPr>
+              <a:t>Second: Apply effects (e.g. Motion Blur) to texture</a:t>
+            </a:r>
+            <a:endParaRPr/>
+          </a:p>
+          <a:p>
+            <a:r>
+              <a:rPr lang="en-US" strike="noStrike">
+                <a:latin typeface="Arial"/>
+              </a:rPr>
+              <a:t>http://http.developer.nvidia.com/GPUGems3/gpugems3_ch27.html</a:t>
+            </a:r>
+            <a:endParaRPr/>
+          </a:p>
+        </p:txBody>
       </p:sp>
     </p:spTree>
   </p:cSld>
@@ -5349,14 +5651,14 @@
       </p:grpSpPr>
       <p:sp>
         <p:nvSpPr>
-          <p:cNvPr id="127" name="CustomShape 1"/>
+          <p:cNvPr id="130" name="CustomShape 1"/>
           <p:cNvSpPr/>
           <p:nvPr/>
         </p:nvSpPr>
         <p:spPr>
           <a:xfrm>
             <a:off x="539640" y="365040"/>
-            <a:ext cx="8352720" cy="513000"/>
+            <a:ext cx="8352000" cy="512280"/>
           </a:xfrm>
           <a:prstGeom prst="rect">
             <a:avLst/>
@@ -5377,24 +5679,28 @@
           <a:p>
             <a:r>
               <a:rPr lang="en-US" sz="2400" strike="noStrike">
-                <a:latin typeface="Arial"/>
-              </a:rPr>
-              <a:t>Post Processing Effects</a:t>
-            </a:r>
-            <a:endParaRPr/>
-          </a:p>
-        </p:txBody>
-      </p:sp>
-      <p:sp>
-        <p:nvSpPr>
-          <p:cNvPr id="128" name="CustomShape 2"/>
+                <a:solidFill>
+                  <a:srgbClr val="000000"/>
+                </a:solidFill>
+                <a:latin typeface="Arial"/>
+                <a:ea typeface="DejaVu Sans"/>
+              </a:rPr>
+              <a:t>Physics Simulation</a:t>
+            </a:r>
+            <a:endParaRPr/>
+          </a:p>
+        </p:txBody>
+      </p:sp>
+      <p:sp>
+        <p:nvSpPr>
+          <p:cNvPr id="131" name="CustomShape 2"/>
           <p:cNvSpPr/>
           <p:nvPr/>
         </p:nvSpPr>
         <p:spPr>
           <a:xfrm>
             <a:off x="539640" y="1125360"/>
-            <a:ext cx="8352720" cy="4750560"/>
+            <a:ext cx="8352000" cy="4749840"/>
           </a:xfrm>
           <a:prstGeom prst="rect">
             <a:avLst/>
@@ -5410,6 +5716,53 @@
           <a:effectRef idx="0"/>
           <a:fontRef idx="minor"/>
         </p:style>
+      </p:sp>
+      <p:sp>
+        <p:nvSpPr>
+          <p:cNvPr id="132" name="CustomShape 3"/>
+          <p:cNvSpPr/>
+          <p:nvPr/>
+        </p:nvSpPr>
+        <p:spPr>
+          <a:xfrm>
+            <a:off x="548640" y="1188720"/>
+            <a:ext cx="8137800" cy="601920"/>
+          </a:xfrm>
+          <a:prstGeom prst="rect">
+            <a:avLst/>
+          </a:prstGeom>
+          <a:noFill/>
+          <a:ln>
+            <a:noFill/>
+          </a:ln>
+        </p:spPr>
+        <p:style>
+          <a:lnRef idx="0"/>
+          <a:fillRef idx="0"/>
+          <a:effectRef idx="0"/>
+          <a:fontRef idx="minor"/>
+        </p:style>
+        <p:txBody>
+          <a:bodyPr lIns="90000" rIns="90000" tIns="45000" bIns="45000"/>
+          <a:p>
+            <a:r>
+              <a:rPr lang="en-US" strike="noStrike">
+                <a:latin typeface="Arial"/>
+              </a:rPr>
+              <a:t>Rigid Body simulation using Bullet physics</a:t>
+            </a:r>
+            <a:endParaRPr/>
+          </a:p>
+          <a:p>
+            <a:r>
+              <a:rPr lang="en-US" strike="noStrike">
+                <a:latin typeface="Arial"/>
+              </a:rPr>
+              <a:t>Using raycast vehicle as base for car</a:t>
+            </a:r>
+            <a:endParaRPr/>
+          </a:p>
+        </p:txBody>
       </p:sp>
     </p:spTree>
   </p:cSld>
@@ -5462,14 +5815,14 @@
       </p:grpSpPr>
       <p:sp>
         <p:nvSpPr>
-          <p:cNvPr id="129" name="CustomShape 1"/>
+          <p:cNvPr id="133" name="CustomShape 1"/>
           <p:cNvSpPr/>
           <p:nvPr/>
         </p:nvSpPr>
         <p:spPr>
           <a:xfrm>
             <a:off x="539640" y="365040"/>
-            <a:ext cx="8352720" cy="513000"/>
+            <a:ext cx="8352000" cy="512280"/>
           </a:xfrm>
           <a:prstGeom prst="rect">
             <a:avLst/>
@@ -5490,24 +5843,28 @@
           <a:p>
             <a:r>
               <a:rPr lang="en-US" sz="2400" strike="noStrike">
-                <a:latin typeface="Arial"/>
-              </a:rPr>
-              <a:t>Physics Simulation</a:t>
-            </a:r>
-            <a:endParaRPr/>
-          </a:p>
-        </p:txBody>
-      </p:sp>
-      <p:sp>
-        <p:nvSpPr>
-          <p:cNvPr id="130" name="CustomShape 2"/>
+                <a:solidFill>
+                  <a:srgbClr val="000000"/>
+                </a:solidFill>
+                <a:latin typeface="Arial"/>
+                <a:ea typeface="DejaVu Sans"/>
+              </a:rPr>
+              <a:t>Raceflections</a:t>
+            </a:r>
+            <a:endParaRPr/>
+          </a:p>
+        </p:txBody>
+      </p:sp>
+      <p:sp>
+        <p:nvSpPr>
+          <p:cNvPr id="134" name="CustomShape 2"/>
           <p:cNvSpPr/>
           <p:nvPr/>
         </p:nvSpPr>
         <p:spPr>
           <a:xfrm>
             <a:off x="539640" y="1125360"/>
-            <a:ext cx="8352720" cy="4750560"/>
+            <a:ext cx="8352000" cy="4749840"/>
           </a:xfrm>
           <a:prstGeom prst="rect">
             <a:avLst/>
@@ -5523,6 +5880,27 @@
           <a:effectRef idx="0"/>
           <a:fontRef idx="minor"/>
         </p:style>
+        <p:txBody>
+          <a:bodyPr lIns="90000" rIns="90000" tIns="45000" bIns="45000" anchor="ctr"/>
+          <a:p>
+            <a:pPr algn="ctr">
+              <a:lnSpc>
+                <a:spcPct val="100000"/>
+              </a:lnSpc>
+            </a:pPr>
+            <a:r>
+              <a:rPr lang="en-US" sz="2400" strike="noStrike">
+                <a:solidFill>
+                  <a:srgbClr val="000000"/>
+                </a:solidFill>
+                <a:latin typeface="Arial"/>
+                <a:ea typeface="DejaVu Sans"/>
+              </a:rPr>
+              <a:t>Thank you for you attention!</a:t>
+            </a:r>
+            <a:endParaRPr/>
+          </a:p>
+        </p:txBody>
       </p:sp>
     </p:spTree>
   </p:cSld>
@@ -5533,136 +5911,6 @@
           <p:childTnLst>
             <p:seq>
               <p:cTn id="16" nodeType="mainSeq"/>
-              <p:prevCondLst>
-                <p:cond delay="0" evt="onPrev">
-                  <p:tgtEl>
-                    <p:sldTgt/>
-                  </p:tgtEl>
-                </p:cond>
-              </p:prevCondLst>
-              <p:nextCondLst>
-                <p:cond delay="0" evt="onNext">
-                  <p:tgtEl>
-                    <p:sldTgt/>
-                  </p:tgtEl>
-                </p:cond>
-              </p:nextCondLst>
-            </p:seq>
-          </p:childTnLst>
-        </p:cTn>
-      </p:par>
-    </p:tnLst>
-  </p:timing>
-</p:sld>
-</file>
-
-<file path=ppt/slides/slide9.xml><?xml version="1.0" encoding="utf-8"?>
-<p:sld xmlns:a="http://schemas.openxmlformats.org/drawingml/2006/main" xmlns:p="http://schemas.openxmlformats.org/presentationml/2006/main" xmlns:r="http://schemas.openxmlformats.org/officeDocument/2006/relationships">
-  <p:cSld>
-    <p:spTree>
-      <p:nvGrpSpPr>
-        <p:cNvPr id="1" name=""/>
-        <p:cNvGrpSpPr/>
-        <p:nvPr/>
-      </p:nvGrpSpPr>
-      <p:grpSpPr>
-        <a:xfrm>
-          <a:off x="0" y="0"/>
-          <a:ext cx="0" cy="0"/>
-          <a:chOff x="0" y="0"/>
-          <a:chExt cx="0" cy="0"/>
-        </a:xfrm>
-      </p:grpSpPr>
-      <p:sp>
-        <p:nvSpPr>
-          <p:cNvPr id="131" name="CustomShape 1"/>
-          <p:cNvSpPr/>
-          <p:nvPr/>
-        </p:nvSpPr>
-        <p:spPr>
-          <a:xfrm>
-            <a:off x="539640" y="365040"/>
-            <a:ext cx="8352720" cy="513000"/>
-          </a:xfrm>
-          <a:prstGeom prst="rect">
-            <a:avLst/>
-          </a:prstGeom>
-          <a:noFill/>
-          <a:ln>
-            <a:noFill/>
-          </a:ln>
-        </p:spPr>
-        <p:style>
-          <a:lnRef idx="0"/>
-          <a:fillRef idx="0"/>
-          <a:effectRef idx="0"/>
-          <a:fontRef idx="minor"/>
-        </p:style>
-        <p:txBody>
-          <a:bodyPr lIns="0" rIns="0" tIns="0" bIns="0" anchor="ctr"/>
-          <a:p>
-            <a:r>
-              <a:rPr lang="en-US" sz="2400" strike="noStrike">
-                <a:latin typeface="Arial"/>
-              </a:rPr>
-              <a:t>Raceflections</a:t>
-            </a:r>
-            <a:endParaRPr/>
-          </a:p>
-        </p:txBody>
-      </p:sp>
-      <p:sp>
-        <p:nvSpPr>
-          <p:cNvPr id="132" name="CustomShape 2"/>
-          <p:cNvSpPr/>
-          <p:nvPr/>
-        </p:nvSpPr>
-        <p:spPr>
-          <a:xfrm>
-            <a:off x="539640" y="1125360"/>
-            <a:ext cx="8352720" cy="4750560"/>
-          </a:xfrm>
-          <a:prstGeom prst="rect">
-            <a:avLst/>
-          </a:prstGeom>
-          <a:noFill/>
-          <a:ln>
-            <a:noFill/>
-          </a:ln>
-        </p:spPr>
-        <p:style>
-          <a:lnRef idx="0"/>
-          <a:fillRef idx="0"/>
-          <a:effectRef idx="0"/>
-          <a:fontRef idx="minor"/>
-        </p:style>
-        <p:txBody>
-          <a:bodyPr lIns="90000" rIns="90000" tIns="45000" bIns="45000" anchor="ctr"/>
-          <a:p>
-            <a:pPr algn="ctr">
-              <a:lnSpc>
-                <a:spcPct val="100000"/>
-              </a:lnSpc>
-            </a:pPr>
-            <a:r>
-              <a:rPr lang="en-US" sz="2400" strike="noStrike">
-                <a:latin typeface="Arial"/>
-              </a:rPr>
-              <a:t>Thank you for you attention!</a:t>
-            </a:r>
-            <a:endParaRPr/>
-          </a:p>
-        </p:txBody>
-      </p:sp>
-    </p:spTree>
-  </p:cSld>
-  <p:timing>
-    <p:tnLst>
-      <p:par>
-        <p:cTn id="17" dur="indefinite" restart="never" nodeType="tmRoot">
-          <p:childTnLst>
-            <p:seq>
-              <p:cTn id="18" nodeType="mainSeq"/>
               <p:prevCondLst>
                 <p:cond delay="0" evt="onPrev">
                   <p:tgtEl>
